--- a/kavan11/template.pptx
+++ b/kavan11/template.pptx
@@ -6,6 +6,9 @@
   </p:sldMasterIdLst>
   <p:sldIdLst>
     <p:sldId id="256" r:id="rId2"/>
+    <p:sldId id="257" r:id="rId3"/>
+    <p:sldId id="258" r:id="rId4"/>
+    <p:sldId id="259" r:id="rId5"/>
   </p:sldIdLst>
   <p:sldSz cx="9144000" cy="6858000" type="screen4x3"/>
   <p:notesSz cx="6858000" cy="9144000"/>
@@ -288,7 +291,7 @@
           <a:p>
             <a:fld id="{3D7F094E-101D-46A6-804D-38CC87AA9052}" type="datetimeFigureOut">
               <a:rPr lang="en-US" smtClean="0"/>
-              <a:t>11/12/2015</a:t>
+              <a:t>11/13/2015</a:t>
             </a:fld>
             <a:endParaRPr lang="en-US"/>
           </a:p>
@@ -458,7 +461,7 @@
           <a:p>
             <a:fld id="{3D7F094E-101D-46A6-804D-38CC87AA9052}" type="datetimeFigureOut">
               <a:rPr lang="en-US" smtClean="0"/>
-              <a:t>11/12/2015</a:t>
+              <a:t>11/13/2015</a:t>
             </a:fld>
             <a:endParaRPr lang="en-US"/>
           </a:p>
@@ -638,7 +641,7 @@
           <a:p>
             <a:fld id="{3D7F094E-101D-46A6-804D-38CC87AA9052}" type="datetimeFigureOut">
               <a:rPr lang="en-US" smtClean="0"/>
-              <a:t>11/12/2015</a:t>
+              <a:t>11/13/2015</a:t>
             </a:fld>
             <a:endParaRPr lang="en-US"/>
           </a:p>
@@ -808,7 +811,7 @@
           <a:p>
             <a:fld id="{3D7F094E-101D-46A6-804D-38CC87AA9052}" type="datetimeFigureOut">
               <a:rPr lang="en-US" smtClean="0"/>
-              <a:t>11/12/2015</a:t>
+              <a:t>11/13/2015</a:t>
             </a:fld>
             <a:endParaRPr lang="en-US"/>
           </a:p>
@@ -1054,7 +1057,7 @@
           <a:p>
             <a:fld id="{3D7F094E-101D-46A6-804D-38CC87AA9052}" type="datetimeFigureOut">
               <a:rPr lang="en-US" smtClean="0"/>
-              <a:t>11/12/2015</a:t>
+              <a:t>11/13/2015</a:t>
             </a:fld>
             <a:endParaRPr lang="en-US"/>
           </a:p>
@@ -1342,7 +1345,7 @@
           <a:p>
             <a:fld id="{3D7F094E-101D-46A6-804D-38CC87AA9052}" type="datetimeFigureOut">
               <a:rPr lang="en-US" smtClean="0"/>
-              <a:t>11/12/2015</a:t>
+              <a:t>11/13/2015</a:t>
             </a:fld>
             <a:endParaRPr lang="en-US"/>
           </a:p>
@@ -1764,7 +1767,7 @@
           <a:p>
             <a:fld id="{3D7F094E-101D-46A6-804D-38CC87AA9052}" type="datetimeFigureOut">
               <a:rPr lang="en-US" smtClean="0"/>
-              <a:t>11/12/2015</a:t>
+              <a:t>11/13/2015</a:t>
             </a:fld>
             <a:endParaRPr lang="en-US"/>
           </a:p>
@@ -1882,7 +1885,7 @@
           <a:p>
             <a:fld id="{3D7F094E-101D-46A6-804D-38CC87AA9052}" type="datetimeFigureOut">
               <a:rPr lang="en-US" smtClean="0"/>
-              <a:t>11/12/2015</a:t>
+              <a:t>11/13/2015</a:t>
             </a:fld>
             <a:endParaRPr lang="en-US"/>
           </a:p>
@@ -1977,7 +1980,7 @@
           <a:p>
             <a:fld id="{3D7F094E-101D-46A6-804D-38CC87AA9052}" type="datetimeFigureOut">
               <a:rPr lang="en-US" smtClean="0"/>
-              <a:t>11/12/2015</a:t>
+              <a:t>11/13/2015</a:t>
             </a:fld>
             <a:endParaRPr lang="en-US"/>
           </a:p>
@@ -2254,7 +2257,7 @@
           <a:p>
             <a:fld id="{3D7F094E-101D-46A6-804D-38CC87AA9052}" type="datetimeFigureOut">
               <a:rPr lang="en-US" smtClean="0"/>
-              <a:t>11/12/2015</a:t>
+              <a:t>11/13/2015</a:t>
             </a:fld>
             <a:endParaRPr lang="en-US"/>
           </a:p>
@@ -2507,7 +2510,7 @@
           <a:p>
             <a:fld id="{3D7F094E-101D-46A6-804D-38CC87AA9052}" type="datetimeFigureOut">
               <a:rPr lang="en-US" smtClean="0"/>
-              <a:t>11/12/2015</a:t>
+              <a:t>11/13/2015</a:t>
             </a:fld>
             <a:endParaRPr lang="en-US"/>
           </a:p>
@@ -2720,7 +2723,7 @@
           <a:p>
             <a:fld id="{3D7F094E-101D-46A6-804D-38CC87AA9052}" type="datetimeFigureOut">
               <a:rPr lang="en-US" smtClean="0"/>
-              <a:t>11/12/2015</a:t>
+              <a:t>11/13/2015</a:t>
             </a:fld>
             <a:endParaRPr lang="en-US"/>
           </a:p>
@@ -3179,6 +3182,397 @@
     <p:extLst>
       <p:ext uri="{BB962C8B-B14F-4D97-AF65-F5344CB8AC3E}">
         <p14:creationId xmlns:p14="http://schemas.microsoft.com/office/powerpoint/2010/main" val="1457114073"/>
+      </p:ext>
+    </p:extLst>
+  </p:cSld>
+  <p:clrMapOvr>
+    <a:masterClrMapping/>
+  </p:clrMapOvr>
+  <p:timing>
+    <p:tnLst>
+      <p:par>
+        <p:cTn id="1" dur="indefinite" restart="never" nodeType="tmRoot"/>
+      </p:par>
+    </p:tnLst>
+  </p:timing>
+</p:sld>
+</file>
+
+<file path=ppt/slides/slide2.xml><?xml version="1.0" encoding="utf-8"?>
+<p:sld xmlns:a="http://schemas.openxmlformats.org/drawingml/2006/main" xmlns:r="http://schemas.openxmlformats.org/officeDocument/2006/relationships" xmlns:p="http://schemas.openxmlformats.org/presentationml/2006/main">
+  <p:cSld>
+    <p:spTree>
+      <p:nvGrpSpPr>
+        <p:cNvPr id="1" name=""/>
+        <p:cNvGrpSpPr/>
+        <p:nvPr/>
+      </p:nvGrpSpPr>
+      <p:grpSpPr>
+        <a:xfrm>
+          <a:off x="0" y="0"/>
+          <a:ext cx="0" cy="0"/>
+          <a:chOff x="0" y="0"/>
+          <a:chExt cx="0" cy="0"/>
+        </a:xfrm>
+      </p:grpSpPr>
+      <p:sp>
+        <p:nvSpPr>
+          <p:cNvPr id="2" name="标题 1"/>
+          <p:cNvSpPr>
+            <a:spLocks noGrp="1"/>
+          </p:cNvSpPr>
+          <p:nvPr>
+            <p:ph type="title"/>
+          </p:nvPr>
+        </p:nvSpPr>
+        <p:spPr/>
+        <p:txBody>
+          <a:bodyPr/>
+          <a:lstStyle/>
+          <a:p>
+            <a:pPr algn="l"/>
+            <a:r>
+              <a:rPr lang="en-US" dirty="0" smtClean="0"/>
+              <a:t>Challenges</a:t>
+            </a:r>
+            <a:endParaRPr lang="en-US" dirty="0"/>
+          </a:p>
+        </p:txBody>
+      </p:sp>
+      <p:sp>
+        <p:nvSpPr>
+          <p:cNvPr id="3" name="内容占位符 2"/>
+          <p:cNvSpPr>
+            <a:spLocks noGrp="1"/>
+          </p:cNvSpPr>
+          <p:nvPr>
+            <p:ph idx="1"/>
+          </p:nvPr>
+        </p:nvSpPr>
+        <p:spPr/>
+        <p:txBody>
+          <a:bodyPr/>
+          <a:lstStyle/>
+          <a:p>
+            <a:r>
+              <a:rPr lang="en-US" dirty="0" smtClean="0"/>
+              <a:t>Current games are complex pieces of software</a:t>
+            </a:r>
+          </a:p>
+          <a:p>
+            <a:r>
+              <a:rPr lang="en-US" dirty="0" smtClean="0"/>
+              <a:t>Rendering, animation, AI, gameplay, HCI, networking…</a:t>
+            </a:r>
+          </a:p>
+          <a:p>
+            <a:r>
+              <a:rPr lang="en-US" dirty="0" smtClean="0"/>
+              <a:t>Time budget for cloth: </a:t>
+            </a:r>
+            <a:r>
+              <a:rPr lang="en-US" dirty="0" smtClean="0">
+                <a:solidFill>
+                  <a:srgbClr val="FF0000"/>
+                </a:solidFill>
+              </a:rPr>
+              <a:t>1ms</a:t>
+            </a:r>
+          </a:p>
+          <a:p>
+            <a:endParaRPr lang="en-US" dirty="0"/>
+          </a:p>
+        </p:txBody>
+      </p:sp>
+      <p:pic>
+        <p:nvPicPr>
+          <p:cNvPr id="4" name="图片 3"/>
+          <p:cNvPicPr>
+            <a:picLocks noChangeAspect="1"/>
+          </p:cNvPicPr>
+          <p:nvPr/>
+        </p:nvPicPr>
+        <p:blipFill>
+          <a:blip r:embed="rId2">
+            <a:extLst>
+              <a:ext uri="{28A0092B-C50C-407E-A947-70E740481C1C}">
+                <a14:useLocalDpi xmlns:a14="http://schemas.microsoft.com/office/drawing/2010/main" val="0"/>
+              </a:ext>
+            </a:extLst>
+          </a:blip>
+          <a:stretch>
+            <a:fillRect/>
+          </a:stretch>
+        </p:blipFill>
+        <p:spPr>
+          <a:xfrm>
+            <a:off x="609600" y="3956538"/>
+            <a:ext cx="8001000" cy="2133600"/>
+          </a:xfrm>
+          <a:prstGeom prst="rect">
+            <a:avLst/>
+          </a:prstGeom>
+        </p:spPr>
+      </p:pic>
+    </p:spTree>
+    <p:extLst>
+      <p:ext uri="{BB962C8B-B14F-4D97-AF65-F5344CB8AC3E}">
+        <p14:creationId xmlns:p14="http://schemas.microsoft.com/office/powerpoint/2010/main" val="210985889"/>
+      </p:ext>
+    </p:extLst>
+  </p:cSld>
+  <p:clrMapOvr>
+    <a:masterClrMapping/>
+  </p:clrMapOvr>
+  <p:timing>
+    <p:tnLst>
+      <p:par>
+        <p:cTn id="1" dur="indefinite" restart="never" nodeType="tmRoot"/>
+      </p:par>
+    </p:tnLst>
+  </p:timing>
+</p:sld>
+</file>
+
+<file path=ppt/slides/slide3.xml><?xml version="1.0" encoding="utf-8"?>
+<p:sld xmlns:a="http://schemas.openxmlformats.org/drawingml/2006/main" xmlns:r="http://schemas.openxmlformats.org/officeDocument/2006/relationships" xmlns:p="http://schemas.openxmlformats.org/presentationml/2006/main">
+  <p:cSld>
+    <p:spTree>
+      <p:nvGrpSpPr>
+        <p:cNvPr id="1" name=""/>
+        <p:cNvGrpSpPr/>
+        <p:nvPr/>
+      </p:nvGrpSpPr>
+      <p:grpSpPr>
+        <a:xfrm>
+          <a:off x="0" y="0"/>
+          <a:ext cx="0" cy="0"/>
+          <a:chOff x="0" y="0"/>
+          <a:chExt cx="0" cy="0"/>
+        </a:xfrm>
+      </p:grpSpPr>
+      <p:sp>
+        <p:nvSpPr>
+          <p:cNvPr id="2" name="标题 1"/>
+          <p:cNvSpPr>
+            <a:spLocks noGrp="1"/>
+          </p:cNvSpPr>
+          <p:nvPr>
+            <p:ph type="title"/>
+          </p:nvPr>
+        </p:nvSpPr>
+        <p:spPr/>
+        <p:txBody>
+          <a:bodyPr/>
+          <a:lstStyle/>
+          <a:p>
+            <a:pPr algn="l"/>
+            <a:r>
+              <a:rPr lang="en-US" dirty="0" smtClean="0"/>
+              <a:t>Wrinkle Synthesis</a:t>
+            </a:r>
+            <a:endParaRPr lang="en-US" dirty="0"/>
+          </a:p>
+        </p:txBody>
+      </p:sp>
+      <p:sp>
+        <p:nvSpPr>
+          <p:cNvPr id="3" name="内容占位符 2"/>
+          <p:cNvSpPr>
+            <a:spLocks noGrp="1"/>
+          </p:cNvSpPr>
+          <p:nvPr>
+            <p:ph idx="1"/>
+          </p:nvPr>
+        </p:nvSpPr>
+        <p:spPr/>
+        <p:txBody>
+          <a:bodyPr/>
+          <a:lstStyle/>
+          <a:p>
+            <a:r>
+              <a:rPr lang="en-US" dirty="0" smtClean="0"/>
+              <a:t>Add high-resolution detail to coarse simulations</a:t>
+            </a:r>
+          </a:p>
+          <a:p>
+            <a:pPr lvl="1"/>
+            <a:r>
+              <a:rPr lang="en-US" dirty="0" smtClean="0"/>
+              <a:t>Advanced nonlinear operators [</a:t>
+            </a:r>
+            <a:r>
+              <a:rPr lang="en-US" dirty="0" err="1" smtClean="0"/>
+              <a:t>Feng</a:t>
+            </a:r>
+            <a:r>
+              <a:rPr lang="en-US" dirty="0" smtClean="0"/>
+              <a:t> et al. 2010; Rohmer et al.2010]</a:t>
+            </a:r>
+          </a:p>
+          <a:p>
+            <a:pPr lvl="1"/>
+            <a:r>
+              <a:rPr lang="en-US" dirty="0" smtClean="0"/>
+              <a:t>Simplified fine-scale physics [Müller and </a:t>
+            </a:r>
+            <a:r>
+              <a:rPr lang="en-US" dirty="0" err="1" smtClean="0"/>
+              <a:t>Chentanez</a:t>
+            </a:r>
+            <a:r>
+              <a:rPr lang="en-US" dirty="0" smtClean="0"/>
+              <a:t> 2010]</a:t>
+            </a:r>
+          </a:p>
+          <a:p>
+            <a:pPr lvl="1"/>
+            <a:r>
+              <a:rPr lang="en-US" dirty="0" smtClean="0"/>
+              <a:t>Comprehensive databases of example shapes [Wang et al. 2010]</a:t>
+            </a:r>
+          </a:p>
+        </p:txBody>
+      </p:sp>
+      <p:pic>
+        <p:nvPicPr>
+          <p:cNvPr id="5" name="图片 4"/>
+          <p:cNvPicPr>
+            <a:picLocks noChangeAspect="1"/>
+          </p:cNvPicPr>
+          <p:nvPr/>
+        </p:nvPicPr>
+        <p:blipFill>
+          <a:blip r:embed="rId2">
+            <a:extLst>
+              <a:ext uri="{28A0092B-C50C-407E-A947-70E740481C1C}">
+                <a14:useLocalDpi xmlns:a14="http://schemas.microsoft.com/office/drawing/2010/main" val="0"/>
+              </a:ext>
+            </a:extLst>
+          </a:blip>
+          <a:stretch>
+            <a:fillRect/>
+          </a:stretch>
+        </p:blipFill>
+        <p:spPr>
+          <a:xfrm>
+            <a:off x="5776546" y="76200"/>
+            <a:ext cx="3352800" cy="1765079"/>
+          </a:xfrm>
+          <a:prstGeom prst="rect">
+            <a:avLst/>
+          </a:prstGeom>
+        </p:spPr>
+      </p:pic>
+      <p:pic>
+        <p:nvPicPr>
+          <p:cNvPr id="6" name="图片 5"/>
+          <p:cNvPicPr>
+            <a:picLocks noChangeAspect="1"/>
+          </p:cNvPicPr>
+          <p:nvPr/>
+        </p:nvPicPr>
+        <p:blipFill>
+          <a:blip r:embed="rId3">
+            <a:extLst>
+              <a:ext uri="{28A0092B-C50C-407E-A947-70E740481C1C}">
+                <a14:useLocalDpi xmlns:a14="http://schemas.microsoft.com/office/drawing/2010/main" val="0"/>
+              </a:ext>
+            </a:extLst>
+          </a:blip>
+          <a:stretch>
+            <a:fillRect/>
+          </a:stretch>
+        </p:blipFill>
+        <p:spPr>
+          <a:xfrm>
+            <a:off x="4633546" y="5052066"/>
+            <a:ext cx="4495800" cy="1593178"/>
+          </a:xfrm>
+          <a:prstGeom prst="rect">
+            <a:avLst/>
+          </a:prstGeom>
+        </p:spPr>
+      </p:pic>
+    </p:spTree>
+    <p:extLst>
+      <p:ext uri="{BB962C8B-B14F-4D97-AF65-F5344CB8AC3E}">
+        <p14:creationId xmlns:p14="http://schemas.microsoft.com/office/powerpoint/2010/main" val="130578884"/>
+      </p:ext>
+    </p:extLst>
+  </p:cSld>
+  <p:clrMapOvr>
+    <a:masterClrMapping/>
+  </p:clrMapOvr>
+  <p:timing>
+    <p:tnLst>
+      <p:par>
+        <p:cTn id="1" dur="indefinite" restart="never" nodeType="tmRoot"/>
+      </p:par>
+    </p:tnLst>
+  </p:timing>
+</p:sld>
+</file>
+
+<file path=ppt/slides/slide4.xml><?xml version="1.0" encoding="utf-8"?>
+<p:sld xmlns:a="http://schemas.openxmlformats.org/drawingml/2006/main" xmlns:r="http://schemas.openxmlformats.org/officeDocument/2006/relationships" xmlns:p="http://schemas.openxmlformats.org/presentationml/2006/main">
+  <p:cSld>
+    <p:spTree>
+      <p:nvGrpSpPr>
+        <p:cNvPr id="1" name=""/>
+        <p:cNvGrpSpPr/>
+        <p:nvPr/>
+      </p:nvGrpSpPr>
+      <p:grpSpPr>
+        <a:xfrm>
+          <a:off x="0" y="0"/>
+          <a:ext cx="0" cy="0"/>
+          <a:chOff x="0" y="0"/>
+          <a:chExt cx="0" cy="0"/>
+        </a:xfrm>
+      </p:grpSpPr>
+      <p:sp>
+        <p:nvSpPr>
+          <p:cNvPr id="2" name="标题 1"/>
+          <p:cNvSpPr>
+            <a:spLocks noGrp="1"/>
+          </p:cNvSpPr>
+          <p:nvPr>
+            <p:ph type="title"/>
+          </p:nvPr>
+        </p:nvSpPr>
+        <p:spPr/>
+        <p:txBody>
+          <a:bodyPr/>
+          <a:lstStyle/>
+          <a:p>
+            <a:endParaRPr lang="en-US"/>
+          </a:p>
+        </p:txBody>
+      </p:sp>
+      <p:sp>
+        <p:nvSpPr>
+          <p:cNvPr id="3" name="内容占位符 2"/>
+          <p:cNvSpPr>
+            <a:spLocks noGrp="1"/>
+          </p:cNvSpPr>
+          <p:nvPr>
+            <p:ph idx="1"/>
+          </p:nvPr>
+        </p:nvSpPr>
+        <p:spPr/>
+        <p:txBody>
+          <a:bodyPr/>
+          <a:lstStyle/>
+          <a:p>
+            <a:endParaRPr lang="en-US"/>
+          </a:p>
+        </p:txBody>
+      </p:sp>
+    </p:spTree>
+    <p:extLst>
+      <p:ext uri="{BB962C8B-B14F-4D97-AF65-F5344CB8AC3E}">
+        <p14:creationId xmlns:p14="http://schemas.microsoft.com/office/powerpoint/2010/main" val="2583893785"/>
       </p:ext>
     </p:extLst>
   </p:cSld>
